--- a/Actividades Obligatorias/Actividad Integradora - Puertos.pptx
+++ b/Actividades Obligatorias/Actividad Integradora - Puertos.pptx
@@ -14612,7 +14612,13 @@
         <p:nvGraphicFramePr>
           <p:cNvPr id="141" name="Google Shape;141;p35"/>
           <p:cNvGraphicFramePr/>
-          <p:nvPr/>
+          <p:nvPr>
+            <p:extLst>
+              <p:ext uri="{D42A27DB-BD31-4B8C-83A1-F6EECF244321}">
+                <p14:modId xmlns:p14="http://schemas.microsoft.com/office/powerpoint/2010/main" val="2607752176"/>
+              </p:ext>
+            </p:extLst>
+          </p:nvPr>
         </p:nvGraphicFramePr>
         <p:xfrm>
           <a:off x="311725" y="1152450"/>
@@ -15189,7 +15195,7 @@
                         <a:buNone/>
                       </a:pPr>
                       <a:r>
-                        <a:rPr lang="es" sz="1600" b="1">
+                        <a:rPr lang="es" sz="1600" b="1" dirty="0">
                           <a:solidFill>
                             <a:srgbClr val="434343"/>
                           </a:solidFill>
@@ -15200,7 +15206,7 @@
                         </a:rPr>
                         <a:t>Youtube</a:t>
                       </a:r>
-                      <a:endParaRPr sz="1600" b="1">
+                      <a:endParaRPr sz="1600" b="1" dirty="0">
                         <a:solidFill>
                           <a:srgbClr val="434343"/>
                         </a:solidFill>
@@ -15220,7 +15226,7 @@
                         </a:spcAft>
                         <a:buNone/>
                       </a:pPr>
-                      <a:endParaRPr sz="1600" b="1">
+                      <a:endParaRPr sz="1600" b="1" dirty="0">
                         <a:solidFill>
                           <a:srgbClr val="434343"/>
                         </a:solidFill>
@@ -15267,7 +15273,7 @@
                         </a:rPr>
                         <a:t> </a:t>
                       </a:r>
-                      <a:endParaRPr sz="1600" b="1">
+                      <a:endParaRPr sz="1600" b="1" dirty="0">
                         <a:solidFill>
                           <a:srgbClr val="434343"/>
                         </a:solidFill>
@@ -15334,7 +15340,7 @@
                         </a:spcAft>
                         <a:buNone/>
                       </a:pPr>
-                      <a:endParaRPr sz="1600" b="1">
+                      <a:endParaRPr sz="1600" b="1" dirty="0">
                         <a:solidFill>
                           <a:srgbClr val="434343"/>
                         </a:solidFill>
